--- a/prezentacja.pptx
+++ b/prezentacja.pptx
@@ -21,6 +21,7 @@
     <p:sldId id="269" r:id="rId15"/>
     <p:sldId id="270" r:id="rId16"/>
     <p:sldId id="271" r:id="rId17"/>
+    <p:sldId id="272" r:id="rId18"/>
   </p:sldIdLst>
   <p:sldSz cx="12192000" cy="6858000"/>
   <p:notesSz cx="6858000" cy="9144000"/>
@@ -119,6 +120,11 @@
       </a:defRPr>
     </a:lvl9pPr>
   </p:defaultTextStyle>
+  <p:extLst>
+    <p:ext uri="{EFAFB233-063F-42B5-8137-9DF3F51BA10A}">
+      <p15:sldGuideLst xmlns:p15="http://schemas.microsoft.com/office/powerpoint/2012/main"/>
+    </p:ext>
+  </p:extLst>
 </p:presentation>
 </file>
 
@@ -4523,6 +4529,98 @@
 </p:sld>
 </file>
 
+<file path=ppt/slides/slide17.xml><?xml version="1.0" encoding="utf-8"?>
+<p:sld xmlns:a="http://schemas.openxmlformats.org/drawingml/2006/main" xmlns:r="http://schemas.openxmlformats.org/officeDocument/2006/relationships" xmlns:p="http://schemas.openxmlformats.org/presentationml/2006/main">
+  <p:cSld>
+    <p:spTree>
+      <p:nvGrpSpPr>
+        <p:cNvPr id="1" name=""/>
+        <p:cNvGrpSpPr/>
+        <p:nvPr/>
+      </p:nvGrpSpPr>
+      <p:grpSpPr>
+        <a:xfrm>
+          <a:off x="0" y="0"/>
+          <a:ext cx="0" cy="0"/>
+          <a:chOff x="0" y="0"/>
+          <a:chExt cx="0" cy="0"/>
+        </a:xfrm>
+      </p:grpSpPr>
+      <p:sp>
+        <p:nvSpPr>
+          <p:cNvPr id="2" name="Tytuł 1">
+            <a:extLst>
+              <a:ext uri="{FF2B5EF4-FFF2-40B4-BE49-F238E27FC236}">
+                <a16:creationId xmlns:a16="http://schemas.microsoft.com/office/drawing/2014/main" id="{824ADB24-9A7E-EBA4-0046-49121F843EF0}"/>
+              </a:ext>
+            </a:extLst>
+          </p:cNvPr>
+          <p:cNvSpPr>
+            <a:spLocks noGrp="1"/>
+          </p:cNvSpPr>
+          <p:nvPr>
+            <p:ph type="title"/>
+          </p:nvPr>
+        </p:nvSpPr>
+        <p:spPr/>
+        <p:txBody>
+          <a:bodyPr/>
+          <a:lstStyle/>
+          <a:p>
+            <a:r>
+              <a:rPr lang="pl-PL" dirty="0"/>
+              <a:t>Bibliografia</a:t>
+            </a:r>
+          </a:p>
+        </p:txBody>
+      </p:sp>
+      <p:sp>
+        <p:nvSpPr>
+          <p:cNvPr id="3" name="Symbol zastępczy zawartości 2">
+            <a:extLst>
+              <a:ext uri="{FF2B5EF4-FFF2-40B4-BE49-F238E27FC236}">
+                <a16:creationId xmlns:a16="http://schemas.microsoft.com/office/drawing/2014/main" id="{1629C3E4-F00F-E62C-49E7-EB9009C345DA}"/>
+              </a:ext>
+            </a:extLst>
+          </p:cNvPr>
+          <p:cNvSpPr>
+            <a:spLocks noGrp="1"/>
+          </p:cNvSpPr>
+          <p:nvPr>
+            <p:ph idx="1"/>
+          </p:nvPr>
+        </p:nvSpPr>
+        <p:spPr/>
+        <p:txBody>
+          <a:bodyPr/>
+          <a:lstStyle/>
+          <a:p>
+            <a:r>
+              <a:rPr lang="pl-PL" dirty="0"/>
+              <a:t>Wykłady z przedmiotu Algorytmy Geometryczne</a:t>
+            </a:r>
+          </a:p>
+          <a:p>
+            <a:r>
+              <a:rPr lang="pl-PL" dirty="0"/>
+              <a:t>https://cs184.eecs.berkeley.edu/sp19/article/15/the-half-edge-data-structure</a:t>
+            </a:r>
+          </a:p>
+        </p:txBody>
+      </p:sp>
+    </p:spTree>
+    <p:extLst>
+      <p:ext uri="{BB962C8B-B14F-4D97-AF65-F5344CB8AC3E}">
+        <p14:creationId xmlns:p14="http://schemas.microsoft.com/office/powerpoint/2010/main" val="65541575"/>
+      </p:ext>
+    </p:extLst>
+  </p:cSld>
+  <p:clrMapOvr>
+    <a:masterClrMapping/>
+  </p:clrMapOvr>
+</p:sld>
+</file>
+
 <file path=ppt/slides/slide2.xml><?xml version="1.0" encoding="utf-8"?>
 <p:sld xmlns:a="http://schemas.openxmlformats.org/drawingml/2006/main" xmlns:r="http://schemas.openxmlformats.org/officeDocument/2006/relationships" xmlns:p="http://schemas.openxmlformats.org/presentationml/2006/main">
   <p:cSld>
@@ -5046,8 +5144,8 @@
           </a:prstGeom>
         </p:spPr>
       </p:pic>
-      <mc:AlternateContent xmlns:mc="http://schemas.openxmlformats.org/markup-compatibility/2006">
-        <mc:Choice xmlns:p14="http://schemas.microsoft.com/office/powerpoint/2010/main" Requires="p14">
+      <mc:AlternateContent xmlns:mc="http://schemas.openxmlformats.org/markup-compatibility/2006" xmlns:p14="http://schemas.microsoft.com/office/powerpoint/2010/main">
+        <mc:Choice Requires="p14">
           <p:contentPart p14:bwMode="auto" r:id="rId5">
             <p14:nvContentPartPr>
               <p14:cNvPr id="10" name="Pismo odręczne 9">
@@ -5066,7 +5164,7 @@
             </p14:xfrm>
           </p:contentPart>
         </mc:Choice>
-        <mc:Fallback>
+        <mc:Fallback xmlns="">
           <p:pic>
             <p:nvPicPr>
               <p:cNvPr id="10" name="Pismo odręczne 9">
@@ -5097,8 +5195,8 @@
           </p:pic>
         </mc:Fallback>
       </mc:AlternateContent>
-      <mc:AlternateContent xmlns:mc="http://schemas.openxmlformats.org/markup-compatibility/2006">
-        <mc:Choice xmlns:p14="http://schemas.microsoft.com/office/powerpoint/2010/main" Requires="p14">
+      <mc:AlternateContent xmlns:mc="http://schemas.openxmlformats.org/markup-compatibility/2006" xmlns:p14="http://schemas.microsoft.com/office/powerpoint/2010/main">
+        <mc:Choice Requires="p14">
           <p:contentPart p14:bwMode="auto" r:id="rId7">
             <p14:nvContentPartPr>
               <p14:cNvPr id="14" name="Pismo odręczne 13">
@@ -5117,7 +5215,7 @@
             </p14:xfrm>
           </p:contentPart>
         </mc:Choice>
-        <mc:Fallback>
+        <mc:Fallback xmlns="">
           <p:pic>
             <p:nvPicPr>
               <p:cNvPr id="14" name="Pismo odręczne 13">
@@ -5168,8 +5266,8 @@
             <a:chExt cx="34560" cy="236520"/>
           </a:xfrm>
         </p:grpSpPr>
-        <mc:AlternateContent xmlns:mc="http://schemas.openxmlformats.org/markup-compatibility/2006">
-          <mc:Choice xmlns:p14="http://schemas.microsoft.com/office/powerpoint/2010/main" Requires="p14">
+        <mc:AlternateContent xmlns:mc="http://schemas.openxmlformats.org/markup-compatibility/2006" xmlns:p14="http://schemas.microsoft.com/office/powerpoint/2010/main">
+          <mc:Choice Requires="p14">
             <p:contentPart p14:bwMode="auto" r:id="rId9">
               <p14:nvContentPartPr>
                 <p14:cNvPr id="11" name="Pismo odręczne 10">
@@ -5188,7 +5286,7 @@
               </p14:xfrm>
             </p:contentPart>
           </mc:Choice>
-          <mc:Fallback>
+          <mc:Fallback xmlns="">
             <p:pic>
               <p:nvPicPr>
                 <p:cNvPr id="11" name="Pismo odręczne 10">
@@ -5219,8 +5317,8 @@
             </p:pic>
           </mc:Fallback>
         </mc:AlternateContent>
-        <mc:AlternateContent xmlns:mc="http://schemas.openxmlformats.org/markup-compatibility/2006">
-          <mc:Choice xmlns:p14="http://schemas.microsoft.com/office/powerpoint/2010/main" Requires="p14">
+        <mc:AlternateContent xmlns:mc="http://schemas.openxmlformats.org/markup-compatibility/2006" xmlns:p14="http://schemas.microsoft.com/office/powerpoint/2010/main">
+          <mc:Choice Requires="p14">
             <p:contentPart p14:bwMode="auto" r:id="rId11">
               <p14:nvContentPartPr>
                 <p14:cNvPr id="12" name="Pismo odręczne 11">
@@ -5239,7 +5337,7 @@
               </p14:xfrm>
             </p:contentPart>
           </mc:Choice>
-          <mc:Fallback>
+          <mc:Fallback xmlns="">
             <p:pic>
               <p:nvPicPr>
                 <p:cNvPr id="12" name="Pismo odręczne 11">
@@ -5270,8 +5368,8 @@
             </p:pic>
           </mc:Fallback>
         </mc:AlternateContent>
-        <mc:AlternateContent xmlns:mc="http://schemas.openxmlformats.org/markup-compatibility/2006">
-          <mc:Choice xmlns:p14="http://schemas.microsoft.com/office/powerpoint/2010/main" Requires="p14">
+        <mc:AlternateContent xmlns:mc="http://schemas.openxmlformats.org/markup-compatibility/2006" xmlns:p14="http://schemas.microsoft.com/office/powerpoint/2010/main">
+          <mc:Choice Requires="p14">
             <p:contentPart p14:bwMode="auto" r:id="rId13">
               <p14:nvContentPartPr>
                 <p14:cNvPr id="19" name="Pismo odręczne 18">
@@ -5290,7 +5388,7 @@
               </p14:xfrm>
             </p:contentPart>
           </mc:Choice>
-          <mc:Fallback>
+          <mc:Fallback xmlns="">
             <p:pic>
               <p:nvPicPr>
                 <p:cNvPr id="19" name="Pismo odręczne 18">
@@ -5809,15 +5907,15 @@
             </a:r>
             <a:r>
               <a:rPr lang="pl-PL" dirty="0"/>
-              <a:t> zawierające współrzędne x, y oraz listę </a:t>
-            </a:r>
-            <a:r>
-              <a:rPr lang="pl-PL" dirty="0" err="1"/>
-              <a:t>połąćzeń</a:t>
+              <a:t> zawierające współrzędne x, y oraz </a:t>
+            </a:r>
+            <a:r>
+              <a:rPr lang="pl-PL"/>
+              <a:t>listę połączeń </a:t>
             </a:r>
             <a:r>
               <a:rPr lang="pl-PL" dirty="0"/>
-              <a:t> przedstawionych jako </a:t>
+              <a:t>przedstawionych jako </a:t>
             </a:r>
             <a:r>
               <a:rPr lang="pl-PL" dirty="0" err="1"/>
